--- a/PPT.pptx
+++ b/PPT.pptx
@@ -11838,7 +11838,7 @@
           <a:p>
             <a:r>
               <a:rPr lang="en-GB" dirty="0"/>
-              <a:t>KNN Implementation</a:t>
+              <a:t>K-Means Implementation</a:t>
             </a:r>
             <a:endParaRPr lang="en-IN" dirty="0"/>
           </a:p>
@@ -11867,20 +11867,20 @@
           <a:p>
             <a:r>
               <a:rPr lang="en-GB" dirty="0"/>
-              <a:t>KNN (k – nearest neighbours) method is unsupervised learning technique that’s used to classify data into group based on a distance measure.</a:t>
+              <a:t>K-Means method is unsupervised learning technique that’s used to classify data into groups based on a distance measure.</a:t>
             </a:r>
           </a:p>
           <a:p>
             <a:r>
               <a:rPr lang="en-GB" dirty="0"/>
-              <a:t>There are 2 steps in KNN mode</a:t>
+              <a:t>There are 2 steps in K-Means mode</a:t>
             </a:r>
           </a:p>
           <a:p>
             <a:pPr lvl="1"/>
             <a:r>
               <a:rPr lang="en-GB" dirty="0"/>
-              <a:t>1. Assign: Assign each data point to another nearest centroid using a distance measure. In our case Euclidean distance measure is used.</a:t>
+              <a:t>1. Assign: Assign each data point to another nearest centroid using a distance measure. In our case, Euclidean distance measure is used.</a:t>
             </a:r>
           </a:p>
           <a:p>
@@ -11899,7 +11899,7 @@
           <a:p>
             <a:r>
               <a:rPr lang="en-GB" dirty="0"/>
-              <a:t>We could have also used vectorized lyrics as an input to KNN. But since most vectorizations like TFID, and count vectorizers use the frequency of terms to represent the data, the grouping would result in songs with similar kinds of words. While this would work to some extent, it would not capture the actual sentiment of the entire song. </a:t>
+              <a:t>We could have also used vectorized lyrics as an input to K-Means . But since most vectorizations like TFID, and count vectorizers use the frequency of terms to represent the data, the grouping would result in songs with similar kinds of words. While this would work to some extent, it would not capture the actual sentiment of the entire song. </a:t>
             </a:r>
           </a:p>
         </p:txBody>
@@ -11929,35 +11929,6 @@
               <a:rPr lang="en-US" smtClean="0"/>
               <a:t>11</a:t>
             </a:fld>
-            <a:endParaRPr lang="en-US" dirty="0"/>
-          </a:p>
-        </p:txBody>
-      </p:sp>
-      <p:sp>
-        <p:nvSpPr>
-          <p:cNvPr id="5" name="Footer Placeholder 4">
-            <a:extLst>
-              <a:ext uri="{FF2B5EF4-FFF2-40B4-BE49-F238E27FC236}">
-                <a16:creationId xmlns:a16="http://schemas.microsoft.com/office/drawing/2014/main" id="{E3C44F54-A56A-5A5F-7F2F-4C3876F8ABD4}"/>
-              </a:ext>
-            </a:extLst>
-          </p:cNvPr>
-          <p:cNvSpPr>
-            <a:spLocks noGrp="1"/>
-          </p:cNvSpPr>
-          <p:nvPr>
-            <p:ph type="ftr" sz="quarter" idx="12"/>
-          </p:nvPr>
-        </p:nvSpPr>
-        <p:spPr/>
-        <p:txBody>
-          <a:bodyPr/>
-          <a:lstStyle/>
-          <a:p>
-            <a:r>
-              <a:rPr lang="en-US"/>
-              <a:t>presentation title</a:t>
-            </a:r>
             <a:endParaRPr lang="en-US" dirty="0"/>
           </a:p>
         </p:txBody>
@@ -12022,7 +11993,15 @@
           <a:p>
             <a:r>
               <a:rPr lang="en-GB" dirty="0"/>
-              <a:t>Analyse KNN CLUSTERS</a:t>
+              <a:t>Analyse </a:t>
+            </a:r>
+            <a:r>
+              <a:rPr lang="en-GB" dirty="0" err="1"/>
+              <a:t>Kmeans</a:t>
+            </a:r>
+            <a:r>
+              <a:rPr lang="en-GB" dirty="0"/>
+              <a:t> CLUSTERS</a:t>
             </a:r>
             <a:endParaRPr lang="en-US" dirty="0"/>
           </a:p>
@@ -12276,7 +12255,15 @@
             </a:r>
             <a:r>
               <a:rPr lang="en-GB" dirty="0"/>
-              <a:t> KNN CLUSTERS</a:t>
+              <a:t> </a:t>
+            </a:r>
+            <a:r>
+              <a:rPr lang="en-GB" dirty="0" err="1"/>
+              <a:t>Kmeans</a:t>
+            </a:r>
+            <a:r>
+              <a:rPr lang="en-GB" dirty="0"/>
+              <a:t> CLUSTERS</a:t>
             </a:r>
             <a:endParaRPr lang="en-IN" dirty="0"/>
           </a:p>
@@ -12448,7 +12435,15 @@
             </a:r>
             <a:r>
               <a:rPr lang="en-GB" dirty="0"/>
-              <a:t> KNN CLUSTERS</a:t>
+              <a:t> </a:t>
+            </a:r>
+            <a:r>
+              <a:rPr lang="en-GB" dirty="0" err="1"/>
+              <a:t>Kmeans</a:t>
+            </a:r>
+            <a:r>
+              <a:rPr lang="en-GB" dirty="0"/>
+              <a:t> CLUSTERS</a:t>
             </a:r>
             <a:endParaRPr lang="en-IN" dirty="0"/>
           </a:p>
@@ -12889,15 +12884,7 @@
             </a:r>
             <a:r>
               <a:rPr lang="en-GB" dirty="0"/>
-              <a:t> is a probabilistic model in NLP. It models the probability of a word occurring in a text based on its </a:t>
-            </a:r>
-            <a:r>
-              <a:rPr lang="en-GB" dirty="0" err="1"/>
-              <a:t>preceeding</a:t>
-            </a:r>
-            <a:r>
-              <a:rPr lang="en-GB" dirty="0"/>
-              <a:t> word.</a:t>
+              <a:t> is a probabilistic model in NLP. It models the probability of a word occurring in a text based on its preceding word.</a:t>
             </a:r>
           </a:p>
           <a:p>
@@ -12915,7 +12902,7 @@
           <a:p>
             <a:r>
               <a:rPr lang="en-IN" dirty="0"/>
-              <a:t>Based input mood, the corresponding n-gram model is used to generate the song.</a:t>
+              <a:t>Based on input mood, the corresponding n-gram model is used to generate the song.</a:t>
             </a:r>
           </a:p>
         </p:txBody>
@@ -13032,7 +13019,7 @@
         </p:blipFill>
         <p:spPr>
           <a:xfrm>
-            <a:off x="1295399" y="1589896"/>
+            <a:off x="1188867" y="2509448"/>
             <a:ext cx="10694626" cy="1839104"/>
           </a:xfrm>
         </p:spPr>
@@ -14612,7 +14599,7 @@
             </a:pPr>
             <a:r>
               <a:rPr lang="en-GB" dirty="0"/>
-              <a:t>Build a KNN(K-nearest-neighbour) model.</a:t>
+              <a:t>Build a K-Means model.</a:t>
             </a:r>
           </a:p>
           <a:p>
@@ -14622,7 +14609,7 @@
             </a:pPr>
             <a:r>
               <a:rPr lang="en-GB" dirty="0"/>
-              <a:t>Use the computed score’s as input to train the KNN model and categorize the data into 5 moods (Euphoria, Happy, Relaxed, Sad and Angry)</a:t>
+              <a:t>Use the computed score’s as input to train the K-Means model and categorize the data into 5 moods (Euphoria, Happy, Relaxed, Sad and Angry)</a:t>
             </a:r>
           </a:p>
           <a:p>
@@ -14632,7 +14619,7 @@
             </a:pPr>
             <a:r>
               <a:rPr lang="en-GB" dirty="0"/>
-              <a:t>Analyse the computed clusters and calculate their mean to define a range of scorer for each mood.</a:t>
+              <a:t>Analyse the computed clusters and calculate their mean to define a range of scores for each mood.</a:t>
             </a:r>
           </a:p>
           <a:p>
@@ -14842,19 +14829,7 @@
               <a:rPr lang="en-IN" sz="1800" dirty="0">
                 <a:latin typeface="Times New Roman" panose="02020603050405020304" pitchFamily="18" charset="0"/>
               </a:rPr>
-              <a:t>As part of the </a:t>
-            </a:r>
-            <a:r>
-              <a:rPr lang="en-IN" sz="1800" dirty="0" err="1">
-                <a:latin typeface="Times New Roman" panose="02020603050405020304" pitchFamily="18" charset="0"/>
-              </a:rPr>
-              <a:t>implementatioin</a:t>
-            </a:r>
-            <a:r>
-              <a:rPr lang="en-IN" sz="1800" dirty="0">
-                <a:latin typeface="Times New Roman" panose="02020603050405020304" pitchFamily="18" charset="0"/>
-              </a:rPr>
-              <a:t>, the pre-trained vader_lexicon.txt file was downloaded from the original implementation </a:t>
+              <a:t>As part of the implementation, the pre-trained vader_lexicon.txt file was downloaded from the original implementation </a:t>
             </a:r>
             <a:r>
               <a:rPr lang="en-IN" sz="1800" dirty="0">
@@ -14882,13 +14857,13 @@
               <a:rPr lang="en-IN" sz="1800" dirty="0">
                 <a:latin typeface="Times New Roman" panose="02020603050405020304" pitchFamily="18" charset="0"/>
               </a:rPr>
-              <a:t>This file</a:t>
+              <a:t>This </a:t>
             </a:r>
             <a:r>
               <a:rPr lang="en-GB" sz="1800" dirty="0">
                 <a:latin typeface="Times New Roman" panose="02020603050405020304" pitchFamily="18" charset="0"/>
               </a:rPr>
-              <a:t>is tab delimited with token, mean sentiment score, standard deviation, and raw human sentiment scores.</a:t>
+              <a:t>file is tab-delimited with token, mean sentiment score, standard deviation, and raw human sentiment scores.</a:t>
             </a:r>
           </a:p>
           <a:p>
@@ -14897,19 +14872,7 @@
               <a:rPr lang="en-GB" sz="1800" dirty="0">
                 <a:latin typeface="Times New Roman" panose="02020603050405020304" pitchFamily="18" charset="0"/>
               </a:rPr>
-              <a:t>To implement the custom </a:t>
-            </a:r>
-            <a:r>
-              <a:rPr lang="en-GB" sz="1800" dirty="0" err="1">
-                <a:latin typeface="Times New Roman" panose="02020603050405020304" pitchFamily="18" charset="0"/>
-              </a:rPr>
-              <a:t>vader</a:t>
-            </a:r>
-            <a:r>
-              <a:rPr lang="en-GB" sz="1800" dirty="0">
-                <a:latin typeface="Times New Roman" panose="02020603050405020304" pitchFamily="18" charset="0"/>
-              </a:rPr>
-              <a:t> logic the mean sentiment score is mainly used. The score indicates each lexicon’s (root word) positive and negative scores. Multiple human judges empirically validate these scores.</a:t>
+              <a:t>To implement the custom Vader logic the mean sentiment score is mainly used. The score indicates each lexicon’s (root word) positive and negative scores. Multiple human judges have empirically validated these scores.</a:t>
             </a:r>
             <a:endParaRPr lang="en-IN" sz="1800" dirty="0">
               <a:latin typeface="Times New Roman" panose="02020603050405020304" pitchFamily="18" charset="0"/>
